--- a/Linguaggi_metodologie_programmazione/prolog/slide/03_Lezione_OperatoriEStruttureDati_ZNZ.pptx
+++ b/Linguaggi_metodologie_programmazione/prolog/slide/03_Lezione_OperatoriEStruttureDati_ZNZ.pptx
@@ -488,7 +488,7 @@
             <a:fld id="{7220D4B4-DB4A-4951-846C-1595D423D78F}" type="datetimeFigureOut">
               <a:rPr lang="it-IT" smtClean="0"/>
               <a:pPr/>
-              <a:t>03/09/2025</a:t>
+              <a:t>04/09/2025</a:t>
             </a:fld>
             <a:endParaRPr lang="it-IT"/>
           </a:p>
